--- a/교육/BwG_Univ_데이터 모델링_v1.12_실습과제2_노을.pptx
+++ b/교육/BwG_Univ_데이터 모델링_v1.12_실습과제2_노을.pptx
@@ -456,7 +456,7 @@
           <a:p>
             <a:fld id="{D344AB40-27CC-47BF-8BE7-C2629B173A31}" type="datetimeFigureOut">
               <a:rPr lang="ko-KR" altLang="en-US" smtClean="0"/>
-              <a:t>2023-08-18</a:t>
+              <a:t>2023-08-19</a:t>
             </a:fld>
             <a:endParaRPr lang="ko-KR" altLang="en-US" dirty="0"/>
           </a:p>
@@ -16047,7 +16047,7 @@
         </p:nvSpPr>
         <p:spPr bwMode="gray">
           <a:xfrm>
-            <a:off x="5809610" y="2523648"/>
+            <a:off x="5412107" y="2450981"/>
             <a:ext cx="671119" cy="673800"/>
           </a:xfrm>
           <a:prstGeom prst="rightArrow">
@@ -16685,6 +16685,36 @@
           </a:p>
         </p:txBody>
       </p:sp>
+      <p:pic>
+        <p:nvPicPr>
+          <p:cNvPr id="11" name="그림 10">
+            <a:extLst>
+              <a:ext uri="{FF2B5EF4-FFF2-40B4-BE49-F238E27FC236}">
+                <a16:creationId xmlns:a16="http://schemas.microsoft.com/office/drawing/2014/main" id="{917A2959-E989-443A-1179-B2DB683228D1}"/>
+              </a:ext>
+            </a:extLst>
+          </p:cNvPr>
+          <p:cNvPicPr>
+            <a:picLocks noChangeAspect="1"/>
+          </p:cNvPicPr>
+          <p:nvPr/>
+        </p:nvPicPr>
+        <p:blipFill>
+          <a:blip r:embed="rId2"/>
+          <a:stretch>
+            <a:fillRect/>
+          </a:stretch>
+        </p:blipFill>
+        <p:spPr>
+          <a:xfrm>
+            <a:off x="6636143" y="1411165"/>
+            <a:ext cx="1648055" cy="2867425"/>
+          </a:xfrm>
+          <a:prstGeom prst="rect">
+            <a:avLst/>
+          </a:prstGeom>
+        </p:spPr>
+      </p:pic>
     </p:spTree>
     <p:extLst>
       <p:ext uri="{BB962C8B-B14F-4D97-AF65-F5344CB8AC3E}">
